--- a/assets/shapehd.pptx
+++ b/assets/shapehd.pptx
@@ -6,6 +6,7 @@
   </p:sldMasterIdLst>
   <p:sldIdLst>
     <p:sldId id="267" r:id="rId2"/>
+    <p:sldId id="268" r:id="rId3"/>
   </p:sldIdLst>
   <p:sldSz cx="12192000" cy="6858000"/>
   <p:notesSz cx="6858000" cy="9144000"/>
@@ -104,6 +105,11 @@
       </a:defRPr>
     </a:lvl9pPr>
   </p:defaultTextStyle>
+  <p:extLst>
+    <p:ext uri="{EFAFB233-063F-42B5-8137-9DF3F51BA10A}">
+      <p15:sldGuideLst xmlns:p15="http://schemas.microsoft.com/office/powerpoint/2012/main"/>
+    </p:ext>
+  </p:extLst>
 </p:presentation>
 </file>
 
@@ -254,7 +260,7 @@
           <a:p>
             <a:fld id="{8CA5C703-7F43-2648-9C4C-EEBFAC019FEF}" type="datetimeFigureOut">
               <a:rPr lang="en-US" smtClean="0"/>
-              <a:t>8/2/18</a:t>
+              <a:t>5/23/20</a:t>
             </a:fld>
             <a:endParaRPr lang="en-US"/>
           </a:p>
@@ -452,7 +458,7 @@
           <a:p>
             <a:fld id="{8CA5C703-7F43-2648-9C4C-EEBFAC019FEF}" type="datetimeFigureOut">
               <a:rPr lang="en-US" smtClean="0"/>
-              <a:t>8/2/18</a:t>
+              <a:t>5/23/20</a:t>
             </a:fld>
             <a:endParaRPr lang="en-US"/>
           </a:p>
@@ -660,7 +666,7 @@
           <a:p>
             <a:fld id="{8CA5C703-7F43-2648-9C4C-EEBFAC019FEF}" type="datetimeFigureOut">
               <a:rPr lang="en-US" smtClean="0"/>
-              <a:t>8/2/18</a:t>
+              <a:t>5/23/20</a:t>
             </a:fld>
             <a:endParaRPr lang="en-US"/>
           </a:p>
@@ -858,7 +864,7 @@
           <a:p>
             <a:fld id="{8CA5C703-7F43-2648-9C4C-EEBFAC019FEF}" type="datetimeFigureOut">
               <a:rPr lang="en-US" smtClean="0"/>
-              <a:t>8/2/18</a:t>
+              <a:t>5/23/20</a:t>
             </a:fld>
             <a:endParaRPr lang="en-US"/>
           </a:p>
@@ -1133,7 +1139,7 @@
           <a:p>
             <a:fld id="{8CA5C703-7F43-2648-9C4C-EEBFAC019FEF}" type="datetimeFigureOut">
               <a:rPr lang="en-US" smtClean="0"/>
-              <a:t>8/2/18</a:t>
+              <a:t>5/23/20</a:t>
             </a:fld>
             <a:endParaRPr lang="en-US"/>
           </a:p>
@@ -1398,7 +1404,7 @@
           <a:p>
             <a:fld id="{8CA5C703-7F43-2648-9C4C-EEBFAC019FEF}" type="datetimeFigureOut">
               <a:rPr lang="en-US" smtClean="0"/>
-              <a:t>8/2/18</a:t>
+              <a:t>5/23/20</a:t>
             </a:fld>
             <a:endParaRPr lang="en-US"/>
           </a:p>
@@ -1810,7 +1816,7 @@
           <a:p>
             <a:fld id="{8CA5C703-7F43-2648-9C4C-EEBFAC019FEF}" type="datetimeFigureOut">
               <a:rPr lang="en-US" smtClean="0"/>
-              <a:t>8/2/18</a:t>
+              <a:t>5/23/20</a:t>
             </a:fld>
             <a:endParaRPr lang="en-US"/>
           </a:p>
@@ -1951,7 +1957,7 @@
           <a:p>
             <a:fld id="{8CA5C703-7F43-2648-9C4C-EEBFAC019FEF}" type="datetimeFigureOut">
               <a:rPr lang="en-US" smtClean="0"/>
-              <a:t>8/2/18</a:t>
+              <a:t>5/23/20</a:t>
             </a:fld>
             <a:endParaRPr lang="en-US"/>
           </a:p>
@@ -2064,7 +2070,7 @@
           <a:p>
             <a:fld id="{8CA5C703-7F43-2648-9C4C-EEBFAC019FEF}" type="datetimeFigureOut">
               <a:rPr lang="en-US" smtClean="0"/>
-              <a:t>8/2/18</a:t>
+              <a:t>5/23/20</a:t>
             </a:fld>
             <a:endParaRPr lang="en-US"/>
           </a:p>
@@ -2375,7 +2381,7 @@
           <a:p>
             <a:fld id="{8CA5C703-7F43-2648-9C4C-EEBFAC019FEF}" type="datetimeFigureOut">
               <a:rPr lang="en-US" smtClean="0"/>
-              <a:t>8/2/18</a:t>
+              <a:t>5/23/20</a:t>
             </a:fld>
             <a:endParaRPr lang="en-US"/>
           </a:p>
@@ -2663,7 +2669,7 @@
           <a:p>
             <a:fld id="{8CA5C703-7F43-2648-9C4C-EEBFAC019FEF}" type="datetimeFigureOut">
               <a:rPr lang="en-US" smtClean="0"/>
-              <a:t>8/2/18</a:t>
+              <a:t>5/23/20</a:t>
             </a:fld>
             <a:endParaRPr lang="en-US"/>
           </a:p>
@@ -2904,7 +2910,7 @@
           <a:p>
             <a:fld id="{8CA5C703-7F43-2648-9C4C-EEBFAC019FEF}" type="datetimeFigureOut">
               <a:rPr lang="en-US" smtClean="0"/>
-              <a:t>8/2/18</a:t>
+              <a:t>5/23/20</a:t>
             </a:fld>
             <a:endParaRPr lang="en-US"/>
           </a:p>
@@ -3321,6 +3327,306 @@
           <a:chExt cx="0" cy="0"/>
         </a:xfrm>
       </p:grpSpPr>
+      <p:sp>
+        <p:nvSpPr>
+          <p:cNvPr id="7" name="Rectangle 6">
+            <a:extLst>
+              <a:ext uri="{FF2B5EF4-FFF2-40B4-BE49-F238E27FC236}">
+                <a16:creationId xmlns:a16="http://schemas.microsoft.com/office/drawing/2014/main" id="{0142E4BE-EED7-184C-A057-21C84F977954}"/>
+              </a:ext>
+            </a:extLst>
+          </p:cNvPr>
+          <p:cNvSpPr/>
+          <p:nvPr/>
+        </p:nvSpPr>
+        <p:spPr>
+          <a:xfrm>
+            <a:off x="6837308" y="2074981"/>
+            <a:ext cx="2392471" cy="2708037"/>
+          </a:xfrm>
+          <a:prstGeom prst="rect">
+            <a:avLst/>
+          </a:prstGeom>
+          <a:solidFill>
+            <a:schemeClr val="bg1"/>
+          </a:solidFill>
+          <a:ln>
+            <a:noFill/>
+          </a:ln>
+        </p:spPr>
+        <p:style>
+          <a:lnRef idx="2">
+            <a:schemeClr val="accent1">
+              <a:shade val="50000"/>
+            </a:schemeClr>
+          </a:lnRef>
+          <a:fillRef idx="1">
+            <a:schemeClr val="accent1"/>
+          </a:fillRef>
+          <a:effectRef idx="0">
+            <a:schemeClr val="accent1"/>
+          </a:effectRef>
+          <a:fontRef idx="minor">
+            <a:schemeClr val="lt1"/>
+          </a:fontRef>
+        </p:style>
+        <p:txBody>
+          <a:bodyPr rtlCol="0" anchor="ctr"/>
+          <a:lstStyle/>
+          <a:p>
+            <a:pPr algn="ctr"/>
+            <a:endParaRPr lang="en-US"/>
+          </a:p>
+        </p:txBody>
+      </p:sp>
+      <p:sp>
+        <p:nvSpPr>
+          <p:cNvPr id="4" name="Rectangle 3">
+            <a:extLst>
+              <a:ext uri="{FF2B5EF4-FFF2-40B4-BE49-F238E27FC236}">
+                <a16:creationId xmlns:a16="http://schemas.microsoft.com/office/drawing/2014/main" id="{C7959C79-D3CB-1A4F-84EE-1AA333DFB051}"/>
+              </a:ext>
+            </a:extLst>
+          </p:cNvPr>
+          <p:cNvSpPr/>
+          <p:nvPr/>
+        </p:nvSpPr>
+        <p:spPr>
+          <a:xfrm>
+            <a:off x="2404997" y="2141549"/>
+            <a:ext cx="2392471" cy="2708037"/>
+          </a:xfrm>
+          <a:prstGeom prst="rect">
+            <a:avLst/>
+          </a:prstGeom>
+          <a:solidFill>
+            <a:schemeClr val="bg1"/>
+          </a:solidFill>
+          <a:ln>
+            <a:noFill/>
+          </a:ln>
+        </p:spPr>
+        <p:style>
+          <a:lnRef idx="2">
+            <a:schemeClr val="accent1">
+              <a:shade val="50000"/>
+            </a:schemeClr>
+          </a:lnRef>
+          <a:fillRef idx="1">
+            <a:schemeClr val="accent1"/>
+          </a:fillRef>
+          <a:effectRef idx="0">
+            <a:schemeClr val="accent1"/>
+          </a:effectRef>
+          <a:fontRef idx="minor">
+            <a:schemeClr val="lt1"/>
+          </a:fontRef>
+        </p:style>
+        <p:txBody>
+          <a:bodyPr rtlCol="0" anchor="ctr"/>
+          <a:lstStyle/>
+          <a:p>
+            <a:pPr algn="ctr"/>
+            <a:endParaRPr lang="en-US"/>
+          </a:p>
+        </p:txBody>
+      </p:sp>
+      <p:pic>
+        <p:nvPicPr>
+          <p:cNvPr id="2" name="Picture 1">
+            <a:extLst>
+              <a:ext uri="{FF2B5EF4-FFF2-40B4-BE49-F238E27FC236}">
+                <a16:creationId xmlns:a16="http://schemas.microsoft.com/office/drawing/2014/main" id="{F22B4F15-4F0F-7842-BD4A-39B4B249B158}"/>
+              </a:ext>
+            </a:extLst>
+          </p:cNvPr>
+          <p:cNvPicPr>
+            <a:picLocks noChangeAspect="1"/>
+          </p:cNvPicPr>
+          <p:nvPr/>
+        </p:nvPicPr>
+        <p:blipFill rotWithShape="1">
+          <a:blip r:embed="rId2">
+            <a:extLst>
+              <a:ext uri="{BEBA8EAE-BF5A-486C-A8C5-ECC9F3942E4B}">
+                <a14:imgProps xmlns:a14="http://schemas.microsoft.com/office/drawing/2010/main">
+                  <a14:imgLayer r:embed="rId3">
+                    <a14:imgEffect>
+                      <a14:backgroundRemoval t="9375" b="90625" l="26563" r="75000"/>
+                    </a14:imgEffect>
+                  </a14:imgLayer>
+                </a14:imgProps>
+              </a:ext>
+            </a:extLst>
+          </a:blip>
+          <a:srcRect l="28169" t="7710" r="28169" b="15764"/>
+          <a:stretch/>
+        </p:blipFill>
+        <p:spPr>
+          <a:xfrm>
+            <a:off x="2828694" y="2141549"/>
+            <a:ext cx="1545076" cy="2708039"/>
+          </a:xfrm>
+          <a:prstGeom prst="rect">
+            <a:avLst/>
+          </a:prstGeom>
+        </p:spPr>
+      </p:pic>
+      <p:pic>
+        <p:nvPicPr>
+          <p:cNvPr id="3" name="Picture 2">
+            <a:extLst>
+              <a:ext uri="{FF2B5EF4-FFF2-40B4-BE49-F238E27FC236}">
+                <a16:creationId xmlns:a16="http://schemas.microsoft.com/office/drawing/2014/main" id="{32A5FBBE-6C67-7F4B-BF09-49FD0C9BE37F}"/>
+              </a:ext>
+            </a:extLst>
+          </p:cNvPr>
+          <p:cNvPicPr>
+            <a:picLocks noChangeAspect="1"/>
+          </p:cNvPicPr>
+          <p:nvPr/>
+        </p:nvPicPr>
+        <p:blipFill rotWithShape="1">
+          <a:blip r:embed="rId4" cstate="hqprint">
+            <a:extLst>
+              <a:ext uri="{BEBA8EAE-BF5A-486C-A8C5-ECC9F3942E4B}">
+                <a14:imgProps xmlns:a14="http://schemas.microsoft.com/office/drawing/2010/main">
+                  <a14:imgLayer r:embed="rId5">
+                    <a14:imgEffect>
+                      <a14:backgroundRemoval t="21117" b="82646" l="31917" r="68204"/>
+                    </a14:imgEffect>
+                    <a14:imgEffect>
+                      <a14:brightnessContrast bright="40000" contrast="20000"/>
+                    </a14:imgEffect>
+                  </a14:imgLayer>
+                </a14:imgProps>
+              </a:ext>
+              <a:ext uri="{28A0092B-C50C-407E-A947-70E740481C1C}">
+                <a14:useLocalDpi xmlns:a14="http://schemas.microsoft.com/office/drawing/2010/main"/>
+              </a:ext>
+            </a:extLst>
+          </a:blip>
+          <a:srcRect l="30736" t="20000" r="30614" b="16535"/>
+          <a:stretch/>
+        </p:blipFill>
+        <p:spPr>
+          <a:xfrm>
+            <a:off x="7208949" y="2074980"/>
+            <a:ext cx="1649187" cy="2708037"/>
+          </a:xfrm>
+          <a:prstGeom prst="rect">
+            <a:avLst/>
+          </a:prstGeom>
+        </p:spPr>
+      </p:pic>
+      <p:sp>
+        <p:nvSpPr>
+          <p:cNvPr id="8" name="TextBox 7">
+            <a:extLst>
+              <a:ext uri="{FF2B5EF4-FFF2-40B4-BE49-F238E27FC236}">
+                <a16:creationId xmlns:a16="http://schemas.microsoft.com/office/drawing/2014/main" id="{30536AFD-5F18-8641-8F2C-506F0AED530A}"/>
+              </a:ext>
+            </a:extLst>
+          </p:cNvPr>
+          <p:cNvSpPr txBox="1"/>
+          <p:nvPr/>
+        </p:nvSpPr>
+        <p:spPr>
+          <a:xfrm>
+            <a:off x="4043735" y="4480255"/>
+            <a:ext cx="753732" cy="369332"/>
+          </a:xfrm>
+          <a:prstGeom prst="rect">
+            <a:avLst/>
+          </a:prstGeom>
+          <a:noFill/>
+        </p:spPr>
+        <p:txBody>
+          <a:bodyPr wrap="none" rtlCol="0">
+            <a:spAutoFit/>
+          </a:bodyPr>
+          <a:lstStyle/>
+          <a:p>
+            <a:r>
+              <a:rPr lang="en-US" dirty="0">
+                <a:latin typeface="Open Sans" panose="020B0606030504020204" pitchFamily="34" charset="0"/>
+                <a:ea typeface="Open Sans" panose="020B0606030504020204" pitchFamily="34" charset="0"/>
+                <a:cs typeface="Open Sans" panose="020B0606030504020204" pitchFamily="34" charset="0"/>
+              </a:rPr>
+              <a:t>Input</a:t>
+            </a:r>
+          </a:p>
+        </p:txBody>
+      </p:sp>
+      <p:sp>
+        <p:nvSpPr>
+          <p:cNvPr id="9" name="TextBox 8">
+            <a:extLst>
+              <a:ext uri="{FF2B5EF4-FFF2-40B4-BE49-F238E27FC236}">
+                <a16:creationId xmlns:a16="http://schemas.microsoft.com/office/drawing/2014/main" id="{40156A21-BF9B-F34E-AAB9-9AD3130BA1A3}"/>
+              </a:ext>
+            </a:extLst>
+          </p:cNvPr>
+          <p:cNvSpPr txBox="1"/>
+          <p:nvPr/>
+        </p:nvSpPr>
+        <p:spPr>
+          <a:xfrm>
+            <a:off x="8278878" y="4413686"/>
+            <a:ext cx="950901" cy="369332"/>
+          </a:xfrm>
+          <a:prstGeom prst="rect">
+            <a:avLst/>
+          </a:prstGeom>
+          <a:noFill/>
+        </p:spPr>
+        <p:txBody>
+          <a:bodyPr wrap="none" rtlCol="0">
+            <a:spAutoFit/>
+          </a:bodyPr>
+          <a:lstStyle/>
+          <a:p>
+            <a:r>
+              <a:rPr lang="en-US" dirty="0">
+                <a:latin typeface="Open Sans" panose="020B0606030504020204" pitchFamily="34" charset="0"/>
+                <a:ea typeface="Open Sans" panose="020B0606030504020204" pitchFamily="34" charset="0"/>
+                <a:cs typeface="Open Sans" panose="020B0606030504020204" pitchFamily="34" charset="0"/>
+              </a:rPr>
+              <a:t>Output</a:t>
+            </a:r>
+          </a:p>
+        </p:txBody>
+      </p:sp>
+    </p:spTree>
+    <p:extLst>
+      <p:ext uri="{BB962C8B-B14F-4D97-AF65-F5344CB8AC3E}">
+        <p14:creationId xmlns:p14="http://schemas.microsoft.com/office/powerpoint/2010/main" val="645577607"/>
+      </p:ext>
+    </p:extLst>
+  </p:cSld>
+  <p:clrMapOvr>
+    <a:masterClrMapping/>
+  </p:clrMapOvr>
+</p:sld>
+</file>
+
+<file path=ppt/slides/slide2.xml><?xml version="1.0" encoding="utf-8"?>
+<p:sld xmlns:a="http://schemas.openxmlformats.org/drawingml/2006/main" xmlns:r="http://schemas.openxmlformats.org/officeDocument/2006/relationships" xmlns:p="http://schemas.openxmlformats.org/presentationml/2006/main">
+  <p:cSld>
+    <p:spTree>
+      <p:nvGrpSpPr>
+        <p:cNvPr id="1" name=""/>
+        <p:cNvGrpSpPr/>
+        <p:nvPr/>
+      </p:nvGrpSpPr>
+      <p:grpSpPr>
+        <a:xfrm>
+          <a:off x="0" y="0"/>
+          <a:ext cx="0" cy="0"/>
+          <a:chOff x="0" y="0"/>
+          <a:chExt cx="0" cy="0"/>
+        </a:xfrm>
+      </p:grpSpPr>
       <p:pic>
         <p:nvPicPr>
           <p:cNvPr id="2" name="Picture 1">
@@ -3456,7 +3762,7 @@
     </p:spTree>
     <p:extLst>
       <p:ext uri="{BB962C8B-B14F-4D97-AF65-F5344CB8AC3E}">
-        <p14:creationId xmlns:p14="http://schemas.microsoft.com/office/powerpoint/2010/main" val="645577607"/>
+        <p14:creationId xmlns:p14="http://schemas.microsoft.com/office/powerpoint/2010/main" val="3316101090"/>
       </p:ext>
     </p:extLst>
   </p:cSld>
